--- a/Day34/DockerAndKubernetes_Training-Day34.pptx
+++ b/Day34/DockerAndKubernetes_Training-Day34.pptx
@@ -199,7 +199,7 @@
           <a:p>
             <a:fld id="{B09F413D-6E72-4B8A-80ED-A580F7C91B71}" type="datetimeFigureOut">
               <a:rPr lang="en-IN" smtClean="0"/>
-              <a:t>18-05-2023</a:t>
+              <a:t>19-05-2023</a:t>
             </a:fld>
             <a:endParaRPr lang="en-IN"/>
           </a:p>
@@ -802,7 +802,7 @@
           <a:p>
             <a:fld id="{12E8600E-B0EE-4521-BF40-4B72FBA06775}" type="datetimeFigureOut">
               <a:rPr lang="en-IN" smtClean="0"/>
-              <a:t>18-05-2023</a:t>
+              <a:t>19-05-2023</a:t>
             </a:fld>
             <a:endParaRPr lang="en-IN"/>
           </a:p>
@@ -1891,7 +1891,7 @@
             <a:fld id="{49F3E739-D457-46E5-B626-C9B182A007EE}" type="datetimeFigureOut">
               <a:rPr lang="en-US" smtClean="0"/>
               <a:pPr/>
-              <a:t>5/18/2023</a:t>
+              <a:t>5/19/2023</a:t>
             </a:fld>
             <a:endParaRPr lang="en-US"/>
           </a:p>
@@ -2873,7 +2873,7 @@
             <a:fld id="{49F3E739-D457-46E5-B626-C9B182A007EE}" type="datetimeFigureOut">
               <a:rPr lang="en-US" smtClean="0"/>
               <a:pPr/>
-              <a:t>5/18/2023</a:t>
+              <a:t>5/19/2023</a:t>
             </a:fld>
             <a:endParaRPr lang="en-US"/>
           </a:p>
@@ -4009,7 +4009,7 @@
             <a:fld id="{49F3E739-D457-46E5-B626-C9B182A007EE}" type="datetimeFigureOut">
               <a:rPr lang="en-US" smtClean="0"/>
               <a:pPr/>
-              <a:t>5/18/2023</a:t>
+              <a:t>5/19/2023</a:t>
             </a:fld>
             <a:endParaRPr lang="en-US"/>
           </a:p>
@@ -5044,7 +5044,7 @@
             <a:fld id="{49F3E739-D457-46E5-B626-C9B182A007EE}" type="datetimeFigureOut">
               <a:rPr lang="en-US" smtClean="0"/>
               <a:pPr/>
-              <a:t>5/18/2023</a:t>
+              <a:t>5/19/2023</a:t>
             </a:fld>
             <a:endParaRPr lang="en-US"/>
           </a:p>
@@ -5706,7 +5706,7 @@
             <a:fld id="{49F3E739-D457-46E5-B626-C9B182A007EE}" type="datetimeFigureOut">
               <a:rPr lang="en-US" smtClean="0"/>
               <a:pPr/>
-              <a:t>5/18/2023</a:t>
+              <a:t>5/19/2023</a:t>
             </a:fld>
             <a:endParaRPr lang="en-US"/>
           </a:p>
@@ -6569,7 +6569,7 @@
             <a:fld id="{49F3E739-D457-46E5-B626-C9B182A007EE}" type="datetimeFigureOut">
               <a:rPr lang="en-US" smtClean="0"/>
               <a:pPr/>
-              <a:t>5/18/2023</a:t>
+              <a:t>5/19/2023</a:t>
             </a:fld>
             <a:endParaRPr lang="en-US"/>
           </a:p>
@@ -6760,7 +6760,7 @@
           <a:p>
             <a:fld id="{12E8600E-B0EE-4521-BF40-4B72FBA06775}" type="datetimeFigureOut">
               <a:rPr lang="en-IN" smtClean="0"/>
-              <a:t>18-05-2023</a:t>
+              <a:t>19-05-2023</a:t>
             </a:fld>
             <a:endParaRPr lang="en-IN"/>
           </a:p>
@@ -7732,7 +7732,7 @@
           <a:p>
             <a:fld id="{12E8600E-B0EE-4521-BF40-4B72FBA06775}" type="datetimeFigureOut">
               <a:rPr lang="en-IN" smtClean="0"/>
-              <a:t>18-05-2023</a:t>
+              <a:t>19-05-2023</a:t>
             </a:fld>
             <a:endParaRPr lang="en-IN"/>
           </a:p>
@@ -7943,7 +7943,7 @@
           <a:p>
             <a:fld id="{12E8600E-B0EE-4521-BF40-4B72FBA06775}" type="datetimeFigureOut">
               <a:rPr lang="en-IN" smtClean="0"/>
-              <a:t>18-05-2023</a:t>
+              <a:t>19-05-2023</a:t>
             </a:fld>
             <a:endParaRPr lang="en-IN"/>
           </a:p>
@@ -8977,7 +8977,7 @@
           <a:p>
             <a:fld id="{12E8600E-B0EE-4521-BF40-4B72FBA06775}" type="datetimeFigureOut">
               <a:rPr lang="en-IN" smtClean="0"/>
-              <a:t>18-05-2023</a:t>
+              <a:t>19-05-2023</a:t>
             </a:fld>
             <a:endParaRPr lang="en-IN"/>
           </a:p>
@@ -9249,7 +9249,7 @@
           <a:p>
             <a:fld id="{12E8600E-B0EE-4521-BF40-4B72FBA06775}" type="datetimeFigureOut">
               <a:rPr lang="en-IN" smtClean="0"/>
-              <a:t>18-05-2023</a:t>
+              <a:t>19-05-2023</a:t>
             </a:fld>
             <a:endParaRPr lang="en-IN"/>
           </a:p>
@@ -9660,7 +9660,7 @@
             <a:fld id="{49F3E739-D457-46E5-B626-C9B182A007EE}" type="datetimeFigureOut">
               <a:rPr lang="en-US" smtClean="0"/>
               <a:pPr/>
-              <a:t>5/18/2023</a:t>
+              <a:t>5/19/2023</a:t>
             </a:fld>
             <a:endParaRPr lang="en-US"/>
           </a:p>
@@ -9788,7 +9788,7 @@
           <a:p>
             <a:fld id="{12E8600E-B0EE-4521-BF40-4B72FBA06775}" type="datetimeFigureOut">
               <a:rPr lang="en-IN" smtClean="0"/>
-              <a:t>18-05-2023</a:t>
+              <a:t>19-05-2023</a:t>
             </a:fld>
             <a:endParaRPr lang="en-IN"/>
           </a:p>
@@ -9883,7 +9883,7 @@
           <a:p>
             <a:fld id="{12E8600E-B0EE-4521-BF40-4B72FBA06775}" type="datetimeFigureOut">
               <a:rPr lang="en-IN" smtClean="0"/>
-              <a:t>18-05-2023</a:t>
+              <a:t>19-05-2023</a:t>
             </a:fld>
             <a:endParaRPr lang="en-IN"/>
           </a:p>
@@ -10964,7 +10964,7 @@
           <a:p>
             <a:fld id="{12E8600E-B0EE-4521-BF40-4B72FBA06775}" type="datetimeFigureOut">
               <a:rPr lang="en-IN" smtClean="0"/>
-              <a:t>18-05-2023</a:t>
+              <a:t>19-05-2023</a:t>
             </a:fld>
             <a:endParaRPr lang="en-IN"/>
           </a:p>
@@ -12073,7 +12073,7 @@
             <a:fld id="{49F3E739-D457-46E5-B626-C9B182A007EE}" type="datetimeFigureOut">
               <a:rPr lang="en-US" smtClean="0"/>
               <a:pPr/>
-              <a:t>5/18/2023</a:t>
+              <a:t>5/19/2023</a:t>
             </a:fld>
             <a:endParaRPr lang="en-US"/>
           </a:p>
@@ -13072,7 +13072,7 @@
             <a:fld id="{49F3E739-D457-46E5-B626-C9B182A007EE}" type="datetimeFigureOut">
               <a:rPr lang="en-US" smtClean="0"/>
               <a:pPr/>
-              <a:t>5/18/2023</a:t>
+              <a:t>5/19/2023</a:t>
             </a:fld>
             <a:endParaRPr lang="en-US"/>
           </a:p>
@@ -14036,58 +14036,6 @@
           </a:p>
           <a:p>
             <a:r>
-              <a:rPr lang="en-US" dirty="0"/>
-              <a:t>PV and PVC Data dependencies, use case &amp; Advantages</a:t>
-            </a:r>
-          </a:p>
-          <a:p>
-            <a:r>
-              <a:rPr lang="en-US" dirty="0"/>
-              <a:t>static vs dynamic provisioning, PVC assignment in deployments, </a:t>
-            </a:r>
-            <a:r>
-              <a:rPr lang="en-US" dirty="0" err="1"/>
-              <a:t>daemonset</a:t>
-            </a:r>
-            <a:r>
-              <a:rPr lang="en-US" dirty="0"/>
-              <a:t> and </a:t>
-            </a:r>
-            <a:r>
-              <a:rPr lang="en-US" dirty="0" err="1"/>
-              <a:t>statefulSet</a:t>
-            </a:r>
-            <a:r>
-              <a:rPr lang="en-US" dirty="0"/>
-              <a:t> objects</a:t>
-            </a:r>
-          </a:p>
-          <a:p>
-            <a:r>
-              <a:rPr lang="en-US" dirty="0" err="1"/>
-              <a:t>pv</a:t>
-            </a:r>
-            <a:r>
-              <a:rPr lang="en-US" dirty="0"/>
-              <a:t> and </a:t>
-            </a:r>
-            <a:r>
-              <a:rPr lang="en-US" dirty="0" err="1"/>
-              <a:t>pvc</a:t>
-            </a:r>
-            <a:r>
-              <a:rPr lang="en-US" dirty="0"/>
-              <a:t> demo</a:t>
-            </a:r>
-          </a:p>
-          <a:p>
-            <a:r>
-              <a:rPr lang="en-US" dirty="0"/>
-              <a:t>Storage Classes</a:t>
-            </a:r>
-          </a:p>
-          <a:p>
-            <a:r>
               <a:rPr lang="en-US" dirty="0" err="1"/>
               <a:t>statefulSet</a:t>
             </a:r>
@@ -14098,12 +14046,14 @@
           </a:p>
           <a:p>
             <a:r>
-              <a:rPr lang="en-US" dirty="0" err="1"/>
-              <a:t>StatefulSet</a:t>
+              <a:rPr lang="en-US" dirty="0"/>
+              <a:t>Config Maps understanding and Demo</a:t>
             </a:r>
+          </a:p>
+          <a:p>
             <a:r>
               <a:rPr lang="en-US" dirty="0"/>
-              <a:t> Demo</a:t>
+              <a:t>Secrets understanding and Demo</a:t>
             </a:r>
           </a:p>
           <a:p>
@@ -14222,48 +14172,85 @@
           <a:lstStyle/>
           <a:p>
             <a:r>
-              <a:rPr lang="en-US" dirty="0"/>
-              <a:t>Persistent Volumes in Kubernetes world:</a:t>
+              <a:rPr lang="en-US" dirty="0" err="1"/>
+              <a:t>Statefulset</a:t>
             </a:r>
-          </a:p>
-          <a:p>
-            <a:pPr lvl="1">
-              <a:buFont typeface="Wingdings" panose="05000000000000000000" pitchFamily="2" charset="2"/>
-              <a:buChar char="Ø"/>
-            </a:pPr>
             <a:r>
               <a:rPr lang="en-US" dirty="0"/>
-              <a:t>	https://kubernetes.io/docs/concepts/storage/persistent-volumes/</a:t>
+              <a:t>:</a:t>
             </a:r>
           </a:p>
           <a:p>
-            <a:pPr lvl="1">
-              <a:buFont typeface="Wingdings" panose="05000000000000000000" pitchFamily="2" charset="2"/>
-              <a:buChar char="Ø"/>
-            </a:pPr>
+            <a:pPr lvl="1"/>
             <a:r>
               <a:rPr lang="en-US" dirty="0"/>
-              <a:t>	https://kubernetes.io/docs/tasks/configure-pod-container/configure-persistent-volume-storage/</a:t>
+              <a:t>https://kubernetes.io/docs/concepts/workloads/controllers/statefulset/</a:t>
             </a:r>
           </a:p>
           <a:p>
-            <a:pPr lvl="1">
-              <a:buFont typeface="Wingdings" panose="05000000000000000000" pitchFamily="2" charset="2"/>
-              <a:buChar char="Ø"/>
-            </a:pPr>
+            <a:pPr lvl="1"/>
             <a:r>
               <a:rPr lang="en-US" dirty="0"/>
-              <a:t>	https://bluexp.netapp.com/blog/cvo-blg-kubernetes-persistent-volume-claims-explained</a:t>
+              <a:t>https://sysdig.com/learn-cloud-native/kubernetes-101/kubernetes-statefulsets-overview/	</a:t>
             </a:r>
           </a:p>
           <a:p>
-            <a:pPr lvl="1">
-              <a:buFont typeface="Wingdings" panose="05000000000000000000" pitchFamily="2" charset="2"/>
-              <a:buChar char="Ø"/>
-            </a:pPr>
+            <a:pPr lvl="1"/>
             <a:r>
               <a:rPr lang="en-US" dirty="0"/>
-              <a:t>	https://www.digihunch.com/2021/06/kubernetes-storage-explained/</a:t>
+              <a:t>https://akomljen.com/kubernetes-persistent-volumes-with-deployment-and-statefulset/</a:t>
+            </a:r>
+          </a:p>
+          <a:p>
+            <a:r>
+              <a:rPr lang="en-US"/>
+              <a:t>configMap</a:t>
+            </a:r>
+            <a:r>
+              <a:rPr lang="en-US" dirty="0"/>
+              <a:t> &amp; Secrets:</a:t>
+            </a:r>
+          </a:p>
+          <a:p>
+            <a:pPr lvl="1"/>
+            <a:r>
+              <a:rPr lang="en-US" dirty="0"/>
+              <a:t>https://kubernetes.io/docs/concepts/configuration/configmap/</a:t>
+            </a:r>
+          </a:p>
+          <a:p>
+            <a:pPr lvl="1"/>
+            <a:r>
+              <a:rPr lang="en-US" dirty="0"/>
+              <a:t>https://kubernetes.io/docs/concepts/configuration/secret/</a:t>
+            </a:r>
+          </a:p>
+          <a:p>
+            <a:pPr lvl="1"/>
+            <a:r>
+              <a:rPr lang="en-US" dirty="0"/>
+              <a:t>https://kubernetes.io/docs/tasks/configmap-secret/managing-secret-using-kubectl/</a:t>
+            </a:r>
+          </a:p>
+          <a:p>
+            <a:pPr lvl="1"/>
+            <a:r>
+              <a:rPr lang="en-US" dirty="0"/>
+              <a:t>https://kubernetes.io/docs/tasks/configmap-secret/managing-secret-using-config-file/</a:t>
+            </a:r>
+          </a:p>
+          <a:p>
+            <a:pPr lvl="1"/>
+            <a:r>
+              <a:rPr lang="en-US" dirty="0"/>
+              <a:t>https://kubernetes.io/docs/tasks/configmap-secret/managing-secret-using-kubectl/</a:t>
+            </a:r>
+          </a:p>
+          <a:p>
+            <a:pPr lvl="1"/>
+            <a:r>
+              <a:rPr lang="en-US" dirty="0"/>
+              <a:t>https://www.devopsschool.com/blog/explained-kubernetes-secret-with-example/</a:t>
             </a:r>
           </a:p>
         </p:txBody>
